--- a/2021.09-임상신경과학컨퍼런스.pptx
+++ b/2021.09-임상신경과학컨퍼런스.pptx
@@ -5,12 +5,13 @@
     <p:sldMasterId id="2147483660" r:id="rId1"/>
   </p:sldMasterIdLst>
   <p:notesMasterIdLst>
-    <p:notesMasterId r:id="rId5"/>
+    <p:notesMasterId r:id="rId6"/>
   </p:notesMasterIdLst>
   <p:sldIdLst>
     <p:sldId id="256" r:id="rId2"/>
-    <p:sldId id="257" r:id="rId3"/>
-    <p:sldId id="258" r:id="rId4"/>
+    <p:sldId id="259" r:id="rId3"/>
+    <p:sldId id="257" r:id="rId4"/>
+    <p:sldId id="258" r:id="rId5"/>
   </p:sldIdLst>
   <p:sldSz cx="12192000" cy="6858000"/>
   <p:notesSz cx="6858000" cy="9144000"/>
@@ -199,7 +200,7 @@
           <a:p>
             <a:fld id="{E8FBBB6A-BE53-4BF0-B17E-892FAA57C2D4}" type="datetimeFigureOut">
               <a:rPr lang="ko-KR" altLang="en-US" smtClean="0"/>
-              <a:t>2021-08-31</a:t>
+              <a:t>2021-09-16</a:t>
             </a:fld>
             <a:endParaRPr lang="ko-KR" altLang="en-US"/>
           </a:p>
@@ -664,7 +665,7 @@
           <a:p>
             <a:fld id="{BBAA4D1B-A90B-4163-BF9D-AF53B78ADDD3}" type="slidenum">
               <a:rPr lang="ko-KR" altLang="en-US" smtClean="0"/>
-              <a:t>2</a:t>
+              <a:t>3</a:t>
             </a:fld>
             <a:endParaRPr lang="ko-KR" altLang="en-US"/>
           </a:p>
@@ -845,7 +846,7 @@
           <a:p>
             <a:fld id="{11CF987C-FD17-4394-9A4F-BE2D66BE4DDF}" type="datetimeFigureOut">
               <a:rPr lang="ko-KR" altLang="en-US" smtClean="0"/>
-              <a:t>2021-08-31</a:t>
+              <a:t>2021-09-16</a:t>
             </a:fld>
             <a:endParaRPr lang="ko-KR" altLang="en-US"/>
           </a:p>
@@ -1022,7 +1023,7 @@
           <a:p>
             <a:fld id="{11CF987C-FD17-4394-9A4F-BE2D66BE4DDF}" type="datetimeFigureOut">
               <a:rPr lang="ko-KR" altLang="en-US" smtClean="0"/>
-              <a:t>2021-08-31</a:t>
+              <a:t>2021-09-16</a:t>
             </a:fld>
             <a:endParaRPr lang="ko-KR" altLang="en-US"/>
           </a:p>
@@ -1202,7 +1203,7 @@
           <a:p>
             <a:fld id="{11CF987C-FD17-4394-9A4F-BE2D66BE4DDF}" type="datetimeFigureOut">
               <a:rPr lang="ko-KR" altLang="en-US" smtClean="0"/>
-              <a:t>2021-08-31</a:t>
+              <a:t>2021-09-16</a:t>
             </a:fld>
             <a:endParaRPr lang="ko-KR" altLang="en-US"/>
           </a:p>
@@ -1563,7 +1564,7 @@
           <a:p>
             <a:fld id="{11CF987C-FD17-4394-9A4F-BE2D66BE4DDF}" type="datetimeFigureOut">
               <a:rPr lang="ko-KR" altLang="en-US" smtClean="0"/>
-              <a:t>2021-08-31</a:t>
+              <a:t>2021-09-16</a:t>
             </a:fld>
             <a:endParaRPr lang="ko-KR" altLang="en-US"/>
           </a:p>
@@ -1795,7 +1796,7 @@
           <a:p>
             <a:fld id="{11CF987C-FD17-4394-9A4F-BE2D66BE4DDF}" type="datetimeFigureOut">
               <a:rPr lang="ko-KR" altLang="en-US" smtClean="0"/>
-              <a:t>2021-08-31</a:t>
+              <a:t>2021-09-16</a:t>
             </a:fld>
             <a:endParaRPr lang="ko-KR" altLang="en-US"/>
           </a:p>
@@ -2162,7 +2163,7 @@
           <a:p>
             <a:fld id="{11CF987C-FD17-4394-9A4F-BE2D66BE4DDF}" type="datetimeFigureOut">
               <a:rPr lang="ko-KR" altLang="en-US" smtClean="0"/>
-              <a:t>2021-08-31</a:t>
+              <a:t>2021-09-16</a:t>
             </a:fld>
             <a:endParaRPr lang="ko-KR" altLang="en-US"/>
           </a:p>
@@ -2280,7 +2281,7 @@
           <a:p>
             <a:fld id="{11CF987C-FD17-4394-9A4F-BE2D66BE4DDF}" type="datetimeFigureOut">
               <a:rPr lang="ko-KR" altLang="en-US" smtClean="0"/>
-              <a:t>2021-08-31</a:t>
+              <a:t>2021-09-16</a:t>
             </a:fld>
             <a:endParaRPr lang="ko-KR" altLang="en-US"/>
           </a:p>
@@ -2375,7 +2376,7 @@
           <a:p>
             <a:fld id="{11CF987C-FD17-4394-9A4F-BE2D66BE4DDF}" type="datetimeFigureOut">
               <a:rPr lang="ko-KR" altLang="en-US" smtClean="0"/>
-              <a:t>2021-08-31</a:t>
+              <a:t>2021-09-16</a:t>
             </a:fld>
             <a:endParaRPr lang="ko-KR" altLang="en-US"/>
           </a:p>
@@ -2652,7 +2653,7 @@
           <a:p>
             <a:fld id="{11CF987C-FD17-4394-9A4F-BE2D66BE4DDF}" type="datetimeFigureOut">
               <a:rPr lang="ko-KR" altLang="en-US" smtClean="0"/>
-              <a:t>2021-08-31</a:t>
+              <a:t>2021-09-16</a:t>
             </a:fld>
             <a:endParaRPr lang="ko-KR" altLang="en-US"/>
           </a:p>
@@ -2909,7 +2910,7 @@
           <a:p>
             <a:fld id="{11CF987C-FD17-4394-9A4F-BE2D66BE4DDF}" type="datetimeFigureOut">
               <a:rPr lang="ko-KR" altLang="en-US" smtClean="0"/>
-              <a:t>2021-08-31</a:t>
+              <a:t>2021-09-16</a:t>
             </a:fld>
             <a:endParaRPr lang="ko-KR" altLang="en-US"/>
           </a:p>
@@ -3148,7 +3149,7 @@
           <a:p>
             <a:fld id="{11CF987C-FD17-4394-9A4F-BE2D66BE4DDF}" type="datetimeFigureOut">
               <a:rPr lang="ko-KR" altLang="en-US" smtClean="0"/>
-              <a:t>2021-08-31</a:t>
+              <a:t>2021-09-16</a:t>
             </a:fld>
             <a:endParaRPr lang="ko-KR" altLang="en-US"/>
           </a:p>
@@ -3691,6 +3692,127 @@
           <a:bodyPr/>
           <a:lstStyle/>
           <a:p>
+            <a:r>
+              <a:rPr lang="en-US" altLang="ko-KR" dirty="0" smtClean="0"/>
+              <a:t>Differential diagnosis of MS, NMOSD, MOGAD</a:t>
+            </a:r>
+            <a:endParaRPr lang="ko-KR" altLang="en-US" dirty="0"/>
+          </a:p>
+        </p:txBody>
+      </p:sp>
+      <p:sp>
+        <p:nvSpPr>
+          <p:cNvPr id="3" name="내용 개체 틀 2"/>
+          <p:cNvSpPr>
+            <a:spLocks noGrp="1"/>
+          </p:cNvSpPr>
+          <p:nvPr>
+            <p:ph idx="1"/>
+          </p:nvPr>
+        </p:nvSpPr>
+        <p:spPr/>
+        <p:txBody>
+          <a:bodyPr/>
+          <a:lstStyle/>
+          <a:p>
+            <a:r>
+              <a:rPr lang="en-US" altLang="ko-KR" dirty="0" smtClean="0"/>
+              <a:t>Progressive demyelinating diseases of central nervous system (CNS)</a:t>
+            </a:r>
+          </a:p>
+          <a:p>
+            <a:pPr lvl="1"/>
+            <a:r>
+              <a:rPr lang="en-US" altLang="ko-KR" dirty="0" smtClean="0"/>
+              <a:t>Multiple sclerosis</a:t>
+            </a:r>
+          </a:p>
+          <a:p>
+            <a:pPr lvl="1"/>
+            <a:r>
+              <a:rPr lang="en-US" altLang="ko-KR" dirty="0" err="1" smtClean="0"/>
+              <a:t>Neuromyelitis</a:t>
+            </a:r>
+            <a:r>
+              <a:rPr lang="en-US" altLang="ko-KR" dirty="0" smtClean="0"/>
+              <a:t> </a:t>
+            </a:r>
+            <a:r>
+              <a:rPr lang="en-US" altLang="ko-KR" dirty="0" err="1" smtClean="0"/>
+              <a:t>optica</a:t>
+            </a:r>
+            <a:r>
+              <a:rPr lang="en-US" altLang="ko-KR" dirty="0" smtClean="0"/>
+              <a:t> spectrum disorder</a:t>
+            </a:r>
+          </a:p>
+          <a:p>
+            <a:pPr lvl="1"/>
+            <a:r>
+              <a:rPr lang="en-US" altLang="ko-KR" dirty="0" smtClean="0"/>
+              <a:t>Myelin oligodendrocyte glycoprotein antibody associated disease</a:t>
+            </a:r>
+          </a:p>
+          <a:p>
+            <a:r>
+              <a:rPr lang="en-US" altLang="ko-KR" dirty="0" smtClean="0"/>
+              <a:t>Optic neuritis, myelitis, </a:t>
+            </a:r>
+            <a:r>
+              <a:rPr lang="en-US" altLang="ko-KR" smtClean="0"/>
+              <a:t>supra/infra-tentorial lesion</a:t>
+            </a:r>
+          </a:p>
+          <a:p>
+            <a:endParaRPr lang="ko-KR" altLang="en-US" dirty="0"/>
+          </a:p>
+        </p:txBody>
+      </p:sp>
+    </p:spTree>
+    <p:extLst>
+      <p:ext uri="{BB962C8B-B14F-4D97-AF65-F5344CB8AC3E}">
+        <p14:creationId xmlns:p14="http://schemas.microsoft.com/office/powerpoint/2010/main" val="2194556486"/>
+      </p:ext>
+    </p:extLst>
+  </p:cSld>
+  <p:clrMapOvr>
+    <a:masterClrMapping/>
+  </p:clrMapOvr>
+</p:sld>
+</file>
+
+<file path=ppt/slides/slide3.xml><?xml version="1.0" encoding="utf-8"?>
+<p:sld xmlns:a="http://schemas.openxmlformats.org/drawingml/2006/main" xmlns:r="http://schemas.openxmlformats.org/officeDocument/2006/relationships" xmlns:p="http://schemas.openxmlformats.org/presentationml/2006/main">
+  <p:cSld>
+    <p:spTree>
+      <p:nvGrpSpPr>
+        <p:cNvPr id="1" name=""/>
+        <p:cNvGrpSpPr/>
+        <p:nvPr/>
+      </p:nvGrpSpPr>
+      <p:grpSpPr>
+        <a:xfrm>
+          <a:off x="0" y="0"/>
+          <a:ext cx="0" cy="0"/>
+          <a:chOff x="0" y="0"/>
+          <a:chExt cx="0" cy="0"/>
+        </a:xfrm>
+      </p:grpSpPr>
+      <p:sp>
+        <p:nvSpPr>
+          <p:cNvPr id="2" name="제목 1"/>
+          <p:cNvSpPr>
+            <a:spLocks noGrp="1"/>
+          </p:cNvSpPr>
+          <p:nvPr>
+            <p:ph type="title"/>
+          </p:nvPr>
+        </p:nvSpPr>
+        <p:spPr/>
+        <p:txBody>
+          <a:bodyPr/>
+          <a:lstStyle/>
+          <a:p>
             <a:endParaRPr lang="ko-KR" altLang="en-US"/>
           </a:p>
         </p:txBody>
@@ -3805,7 +3927,7 @@
 </p:sld>
 </file>
 
-<file path=ppt/slides/slide3.xml><?xml version="1.0" encoding="utf-8"?>
+<file path=ppt/slides/slide4.xml><?xml version="1.0" encoding="utf-8"?>
 <p:sld xmlns:a="http://schemas.openxmlformats.org/drawingml/2006/main" xmlns:r="http://schemas.openxmlformats.org/officeDocument/2006/relationships" xmlns:p="http://schemas.openxmlformats.org/presentationml/2006/main">
   <p:cSld>
     <p:spTree>
